--- a/Portfolio_vergleich.pptx
+++ b/Portfolio_vergleich.pptx
@@ -342,7 +342,7 @@
               <a:pPr>
                 <a:defRPr/>
               </a:pPr>
-              <a:t>07.06.2022</a:t>
+              <a:t>13.06.2022</a:t>
             </a:fld>
             <a:endParaRPr lang="de-DE" dirty="0"/>
           </a:p>
@@ -545,7 +545,7 @@
               <a:pPr>
                 <a:defRPr/>
               </a:pPr>
-              <a:t>07.06.2022</a:t>
+              <a:t>13.06.2022</a:t>
             </a:fld>
             <a:endParaRPr lang="de-DE"/>
           </a:p>
@@ -2252,7 +2252,7 @@
           <a:p>
             <a:fld id="{0D330166-D5BF-4D65-9A7F-3962EACBD5E4}" type="datetime1">
               <a:rPr lang="de-AT" smtClean="0"/>
-              <a:t>07.06.2022</a:t>
+              <a:t>13.06.2022</a:t>
             </a:fld>
             <a:endParaRPr lang="en-US" dirty="0"/>
           </a:p>
@@ -2445,7 +2445,7 @@
           <a:p>
             <a:fld id="{81A471B7-5D1D-43BC-8811-8ABAAA970471}" type="datetime1">
               <a:rPr lang="de-AT" smtClean="0"/>
-              <a:t>07.06.2022</a:t>
+              <a:t>13.06.2022</a:t>
             </a:fld>
             <a:endParaRPr lang="en-US" dirty="0"/>
           </a:p>
@@ -2615,7 +2615,7 @@
           <a:p>
             <a:fld id="{6ADFBE8F-3145-427D-B9B9-6E3F64057BB4}" type="datetime1">
               <a:rPr lang="de-AT" smtClean="0"/>
-              <a:t>07.06.2022</a:t>
+              <a:t>13.06.2022</a:t>
             </a:fld>
             <a:endParaRPr lang="en-US" dirty="0"/>
           </a:p>
@@ -2803,7 +2803,7 @@
           <a:p>
             <a:fld id="{82D43B7A-4775-4442-B2FD-C90F7795A157}" type="datetime1">
               <a:rPr lang="de-AT" smtClean="0"/>
-              <a:t>07.06.2022</a:t>
+              <a:t>13.06.2022</a:t>
             </a:fld>
             <a:endParaRPr lang="en-US" dirty="0"/>
           </a:p>
@@ -3209,7 +3209,7 @@
           <a:p>
             <a:fld id="{B0FDF484-A55B-465E-9FF3-AE57CAFFA998}" type="datetime1">
               <a:rPr lang="de-AT" smtClean="0"/>
-              <a:t>07.06.2022</a:t>
+              <a:t>13.06.2022</a:t>
             </a:fld>
             <a:endParaRPr lang="en-US" dirty="0"/>
           </a:p>
@@ -3483,7 +3483,7 @@
           <a:p>
             <a:fld id="{CE79AB7A-901E-4166-8326-109AD61F8CB7}" type="datetime1">
               <a:rPr lang="de-AT" smtClean="0"/>
-              <a:t>07.06.2022</a:t>
+              <a:t>13.06.2022</a:t>
             </a:fld>
             <a:endParaRPr lang="en-US" dirty="0"/>
           </a:p>
@@ -3726,7 +3726,7 @@
           <a:p>
             <a:fld id="{A4CDDCBF-9B7E-4345-B93E-47D58DD2744C}" type="datetime1">
               <a:rPr lang="de-AT" smtClean="0"/>
-              <a:t>07.06.2022</a:t>
+              <a:t>13.06.2022</a:t>
             </a:fld>
             <a:endParaRPr lang="en-US" dirty="0"/>
           </a:p>
@@ -4035,7 +4035,7 @@
           <a:p>
             <a:fld id="{B097A0B2-A44F-42C7-A50B-DC4A529604E3}" type="datetime1">
               <a:rPr lang="de-AT" smtClean="0"/>
-              <a:t>07.06.2022</a:t>
+              <a:t>13.06.2022</a:t>
             </a:fld>
             <a:endParaRPr lang="en-US" dirty="0"/>
           </a:p>
@@ -4392,7 +4392,7 @@
           <a:p>
             <a:fld id="{1C5D60C0-6BA2-491C-AAE9-1D56DF470577}" type="datetime1">
               <a:rPr lang="de-AT" smtClean="0"/>
-              <a:t>07.06.2022</a:t>
+              <a:t>13.06.2022</a:t>
             </a:fld>
             <a:endParaRPr lang="en-US" dirty="0"/>
           </a:p>
@@ -4815,7 +4815,7 @@
           <a:p>
             <a:fld id="{B4E0BF66-C830-4C14-B284-05C05C10C751}" type="datetime1">
               <a:rPr lang="de-AT" smtClean="0"/>
-              <a:t>07.06.2022</a:t>
+              <a:t>13.06.2022</a:t>
             </a:fld>
             <a:endParaRPr lang="en-US" dirty="0"/>
           </a:p>
@@ -5128,7 +5128,7 @@
           <a:p>
             <a:fld id="{90AF9DE0-CFC0-4CF0-9207-2629930D3E4C}" type="datetime1">
               <a:rPr lang="de-AT" smtClean="0"/>
-              <a:t>07.06.2022</a:t>
+              <a:t>13.06.2022</a:t>
             </a:fld>
             <a:endParaRPr lang="en-US" dirty="0"/>
           </a:p>
@@ -5253,7 +5253,7 @@
           <a:p>
             <a:fld id="{A6C62F4E-06AF-4F82-A256-59C54322A2E5}" type="datetime1">
               <a:rPr lang="de-AT" smtClean="0"/>
-              <a:t>07.06.2022</a:t>
+              <a:t>13.06.2022</a:t>
             </a:fld>
             <a:endParaRPr lang="en-US" dirty="0"/>
           </a:p>
@@ -5584,7 +5584,7 @@
           <a:p>
             <a:fld id="{49676E5D-6840-4346-9FC1-1826252CEEA0}" type="datetime1">
               <a:rPr lang="de-AT" smtClean="0"/>
-              <a:t>07.06.2022</a:t>
+              <a:t>13.06.2022</a:t>
             </a:fld>
             <a:endParaRPr lang="en-US" dirty="0"/>
           </a:p>
@@ -6183,7 +6183,7 @@
                 <a:latin typeface="Segoe UI" panose="020B0502040204020203" pitchFamily="34" charset="0"/>
                 <a:cs typeface="Segoe UI" panose="020B0502040204020203" pitchFamily="34" charset="0"/>
               </a:rPr>
-              <a:t>ETF Portfolio Vergleich</a:t>
+              <a:t>ETF-Portfolio Vergleich</a:t>
             </a:r>
             <a:br>
               <a:rPr lang="de-DE" dirty="0">
@@ -6318,7 +6318,7 @@
           <a:p>
             <a:fld id="{5DCDB640-DE0C-413B-B149-C4168F97DB45}" type="datetime1">
               <a:rPr lang="de-AT" smtClean="0"/>
-              <a:t>07.06.2022</a:t>
+              <a:t>13.06.2022</a:t>
             </a:fld>
             <a:endParaRPr lang="en-US" dirty="0"/>
           </a:p>
@@ -6582,7 +6582,7 @@
           <a:p>
             <a:fld id="{5DCDB640-DE0C-413B-B149-C4168F97DB45}" type="datetime1">
               <a:rPr lang="de-AT" smtClean="0"/>
-              <a:t>07.06.2022</a:t>
+              <a:t>13.06.2022</a:t>
             </a:fld>
             <a:endParaRPr lang="en-US" dirty="0"/>
           </a:p>
@@ -6872,7 +6872,7 @@
           <a:p>
             <a:fld id="{5DCDB640-DE0C-413B-B149-C4168F97DB45}" type="datetime1">
               <a:rPr lang="de-AT" smtClean="0"/>
-              <a:t>07.06.2022</a:t>
+              <a:t>13.06.2022</a:t>
             </a:fld>
             <a:endParaRPr lang="en-US" dirty="0"/>
           </a:p>
@@ -6997,7 +6997,7 @@
           <a:p>
             <a:r>
               <a:rPr lang="de-DE" sz="2800" dirty="0"/>
-              <a:t>Basics: Passives Investieren</a:t>
+              <a:t>Basics: Passives Investieren an der Börse</a:t>
             </a:r>
             <a:endParaRPr lang="de-DE" dirty="0"/>
           </a:p>
@@ -7026,7 +7026,7 @@
           <a:p>
             <a:fld id="{5DCDB640-DE0C-413B-B149-C4168F97DB45}" type="datetime1">
               <a:rPr lang="de-AT" smtClean="0"/>
-              <a:t>07.06.2022</a:t>
+              <a:t>13.06.2022</a:t>
             </a:fld>
             <a:endParaRPr lang="en-US" dirty="0"/>
           </a:p>
@@ -7180,7 +7180,7 @@
                 <a:latin typeface="Segoe UI" panose="020B0502040204020203" pitchFamily="34" charset="0"/>
                 <a:cs typeface="Segoe UI" panose="020B0502040204020203" pitchFamily="34" charset="0"/>
               </a:rPr>
-              <a:t>Bilden Branchen, Industrien oder Regionen ab</a:t>
+              <a:t>Bilden Branchen, Regionen usw. ab (ATX oder MSCI World) </a:t>
             </a:r>
           </a:p>
           <a:p>
@@ -7199,7 +7199,7 @@
                 <a:latin typeface="Segoe UI" panose="020B0502040204020203" pitchFamily="34" charset="0"/>
                 <a:cs typeface="Segoe UI" panose="020B0502040204020203" pitchFamily="34" charset="0"/>
               </a:rPr>
-              <a:t>ist ein Fonds, der einen Index (ATX oder MSCI World) abbildet</a:t>
+              <a:t>ist ein Fonds, der einen Index abbildet</a:t>
             </a:r>
           </a:p>
           <a:p>
@@ -7347,7 +7347,7 @@
           <a:p>
             <a:fld id="{5DCDB640-DE0C-413B-B149-C4168F97DB45}" type="datetime1">
               <a:rPr lang="de-AT" smtClean="0"/>
-              <a:t>07.06.2022</a:t>
+              <a:t>13.06.2022</a:t>
             </a:fld>
             <a:endParaRPr lang="en-US" dirty="0"/>
           </a:p>
@@ -7513,23 +7513,6 @@
               </a:rPr>
               <a:t>Überprüfen unterschiedlicher Investment Strategien</a:t>
             </a:r>
-          </a:p>
-          <a:p>
-            <a:pPr lvl="1"/>
-            <a:r>
-              <a:rPr lang="de-DE" dirty="0">
-                <a:latin typeface="Segoe UI" panose="020B0502040204020203" pitchFamily="34" charset="0"/>
-                <a:cs typeface="Segoe UI" panose="020B0502040204020203" pitchFamily="34" charset="0"/>
-              </a:rPr>
-              <a:t>Untersuchen des optimalen Investitionszeitpunkts</a:t>
-            </a:r>
-          </a:p>
-          <a:p>
-            <a:pPr lvl="1"/>
-            <a:endParaRPr lang="de-DE" dirty="0">
-              <a:latin typeface="Segoe UI" panose="020B0502040204020203" pitchFamily="34" charset="0"/>
-              <a:cs typeface="Segoe UI" panose="020B0502040204020203" pitchFamily="34" charset="0"/>
-            </a:endParaRPr>
           </a:p>
           <a:p>
             <a:endParaRPr lang="de-DE" dirty="0">
@@ -7680,7 +7663,7 @@
           <a:p>
             <a:fld id="{5DCDB640-DE0C-413B-B149-C4168F97DB45}" type="datetime1">
               <a:rPr lang="de-AT" smtClean="0"/>
-              <a:t>07.06.2022</a:t>
+              <a:t>13.06.2022</a:t>
             </a:fld>
             <a:endParaRPr lang="en-US" dirty="0"/>
           </a:p>
@@ -7956,7 +7939,7 @@
           <a:p>
             <a:fld id="{5DCDB640-DE0C-413B-B149-C4168F97DB45}" type="datetime1">
               <a:rPr lang="de-AT" smtClean="0"/>
-              <a:t>07.06.2022</a:t>
+              <a:t>13.06.2022</a:t>
             </a:fld>
             <a:endParaRPr lang="en-US" dirty="0"/>
           </a:p>
@@ -8616,6 +8599,21 @@
             </a:r>
           </a:p>
           <a:p>
+            <a:endParaRPr lang="de-DE" dirty="0">
+              <a:latin typeface="Segoe UI" panose="020B0502040204020203" pitchFamily="34" charset="0"/>
+              <a:cs typeface="Segoe UI" panose="020B0502040204020203" pitchFamily="34" charset="0"/>
+            </a:endParaRPr>
+          </a:p>
+          <a:p>
+            <a:r>
+              <a:rPr lang="de-DE" dirty="0">
+                <a:latin typeface="Segoe UI" panose="020B0502040204020203" pitchFamily="34" charset="0"/>
+                <a:cs typeface="Segoe UI" panose="020B0502040204020203" pitchFamily="34" charset="0"/>
+              </a:rPr>
+              <a:t>Obliegt dem Benutzer</a:t>
+            </a:r>
+          </a:p>
+          <a:p>
             <a:pPr lvl="1"/>
             <a:endParaRPr lang="de-DE" dirty="0">
               <a:latin typeface="Segoe UI" panose="020B0502040204020203" pitchFamily="34" charset="0"/>
@@ -8706,7 +8704,7 @@
           <a:p>
             <a:fld id="{5DCDB640-DE0C-413B-B149-C4168F97DB45}" type="datetime1">
               <a:rPr lang="de-AT" smtClean="0"/>
-              <a:t>07.06.2022</a:t>
+              <a:t>13.06.2022</a:t>
             </a:fld>
             <a:endParaRPr lang="en-US" dirty="0"/>
           </a:p>
@@ -8918,7 +8916,7 @@
           <a:p>
             <a:fld id="{5DCDB640-DE0C-413B-B149-C4168F97DB45}" type="datetime1">
               <a:rPr lang="de-AT" smtClean="0"/>
-              <a:t>07.06.2022</a:t>
+              <a:t>13.06.2022</a:t>
             </a:fld>
             <a:endParaRPr lang="en-US" dirty="0"/>
           </a:p>
@@ -9130,7 +9128,7 @@
           <a:p>
             <a:fld id="{5DCDB640-DE0C-413B-B149-C4168F97DB45}" type="datetime1">
               <a:rPr lang="de-AT" smtClean="0"/>
-              <a:t>07.06.2022</a:t>
+              <a:t>13.06.2022</a:t>
             </a:fld>
             <a:endParaRPr lang="en-US" dirty="0"/>
           </a:p>
@@ -9342,7 +9340,7 @@
           <a:p>
             <a:fld id="{5DCDB640-DE0C-413B-B149-C4168F97DB45}" type="datetime1">
               <a:rPr lang="de-AT" smtClean="0"/>
-              <a:t>07.06.2022</a:t>
+              <a:t>13.06.2022</a:t>
             </a:fld>
             <a:endParaRPr lang="en-US" dirty="0"/>
           </a:p>

--- a/Portfolio_vergleich.pptx
+++ b/Portfolio_vergleich.pptx
@@ -342,7 +342,7 @@
               <a:pPr>
                 <a:defRPr/>
               </a:pPr>
-              <a:t>13.06.2022</a:t>
+              <a:t>14.06.2022</a:t>
             </a:fld>
             <a:endParaRPr lang="de-DE" dirty="0"/>
           </a:p>
@@ -545,7 +545,7 @@
               <a:pPr>
                 <a:defRPr/>
               </a:pPr>
-              <a:t>13.06.2022</a:t>
+              <a:t>14.06.2022</a:t>
             </a:fld>
             <a:endParaRPr lang="de-DE"/>
           </a:p>
@@ -2252,7 +2252,7 @@
           <a:p>
             <a:fld id="{0D330166-D5BF-4D65-9A7F-3962EACBD5E4}" type="datetime1">
               <a:rPr lang="de-AT" smtClean="0"/>
-              <a:t>13.06.2022</a:t>
+              <a:t>14.06.2022</a:t>
             </a:fld>
             <a:endParaRPr lang="en-US" dirty="0"/>
           </a:p>
@@ -2445,7 +2445,7 @@
           <a:p>
             <a:fld id="{81A471B7-5D1D-43BC-8811-8ABAAA970471}" type="datetime1">
               <a:rPr lang="de-AT" smtClean="0"/>
-              <a:t>13.06.2022</a:t>
+              <a:t>14.06.2022</a:t>
             </a:fld>
             <a:endParaRPr lang="en-US" dirty="0"/>
           </a:p>
@@ -2615,7 +2615,7 @@
           <a:p>
             <a:fld id="{6ADFBE8F-3145-427D-B9B9-6E3F64057BB4}" type="datetime1">
               <a:rPr lang="de-AT" smtClean="0"/>
-              <a:t>13.06.2022</a:t>
+              <a:t>14.06.2022</a:t>
             </a:fld>
             <a:endParaRPr lang="en-US" dirty="0"/>
           </a:p>
@@ -2803,7 +2803,7 @@
           <a:p>
             <a:fld id="{82D43B7A-4775-4442-B2FD-C90F7795A157}" type="datetime1">
               <a:rPr lang="de-AT" smtClean="0"/>
-              <a:t>13.06.2022</a:t>
+              <a:t>14.06.2022</a:t>
             </a:fld>
             <a:endParaRPr lang="en-US" dirty="0"/>
           </a:p>
@@ -3209,7 +3209,7 @@
           <a:p>
             <a:fld id="{B0FDF484-A55B-465E-9FF3-AE57CAFFA998}" type="datetime1">
               <a:rPr lang="de-AT" smtClean="0"/>
-              <a:t>13.06.2022</a:t>
+              <a:t>14.06.2022</a:t>
             </a:fld>
             <a:endParaRPr lang="en-US" dirty="0"/>
           </a:p>
@@ -3483,7 +3483,7 @@
           <a:p>
             <a:fld id="{CE79AB7A-901E-4166-8326-109AD61F8CB7}" type="datetime1">
               <a:rPr lang="de-AT" smtClean="0"/>
-              <a:t>13.06.2022</a:t>
+              <a:t>14.06.2022</a:t>
             </a:fld>
             <a:endParaRPr lang="en-US" dirty="0"/>
           </a:p>
@@ -3726,7 +3726,7 @@
           <a:p>
             <a:fld id="{A4CDDCBF-9B7E-4345-B93E-47D58DD2744C}" type="datetime1">
               <a:rPr lang="de-AT" smtClean="0"/>
-              <a:t>13.06.2022</a:t>
+              <a:t>14.06.2022</a:t>
             </a:fld>
             <a:endParaRPr lang="en-US" dirty="0"/>
           </a:p>
@@ -4035,7 +4035,7 @@
           <a:p>
             <a:fld id="{B097A0B2-A44F-42C7-A50B-DC4A529604E3}" type="datetime1">
               <a:rPr lang="de-AT" smtClean="0"/>
-              <a:t>13.06.2022</a:t>
+              <a:t>14.06.2022</a:t>
             </a:fld>
             <a:endParaRPr lang="en-US" dirty="0"/>
           </a:p>
@@ -4392,7 +4392,7 @@
           <a:p>
             <a:fld id="{1C5D60C0-6BA2-491C-AAE9-1D56DF470577}" type="datetime1">
               <a:rPr lang="de-AT" smtClean="0"/>
-              <a:t>13.06.2022</a:t>
+              <a:t>14.06.2022</a:t>
             </a:fld>
             <a:endParaRPr lang="en-US" dirty="0"/>
           </a:p>
@@ -4815,7 +4815,7 @@
           <a:p>
             <a:fld id="{B4E0BF66-C830-4C14-B284-05C05C10C751}" type="datetime1">
               <a:rPr lang="de-AT" smtClean="0"/>
-              <a:t>13.06.2022</a:t>
+              <a:t>14.06.2022</a:t>
             </a:fld>
             <a:endParaRPr lang="en-US" dirty="0"/>
           </a:p>
@@ -5128,7 +5128,7 @@
           <a:p>
             <a:fld id="{90AF9DE0-CFC0-4CF0-9207-2629930D3E4C}" type="datetime1">
               <a:rPr lang="de-AT" smtClean="0"/>
-              <a:t>13.06.2022</a:t>
+              <a:t>14.06.2022</a:t>
             </a:fld>
             <a:endParaRPr lang="en-US" dirty="0"/>
           </a:p>
@@ -5253,7 +5253,7 @@
           <a:p>
             <a:fld id="{A6C62F4E-06AF-4F82-A256-59C54322A2E5}" type="datetime1">
               <a:rPr lang="de-AT" smtClean="0"/>
-              <a:t>13.06.2022</a:t>
+              <a:t>14.06.2022</a:t>
             </a:fld>
             <a:endParaRPr lang="en-US" dirty="0"/>
           </a:p>
@@ -5584,7 +5584,7 @@
           <a:p>
             <a:fld id="{49676E5D-6840-4346-9FC1-1826252CEEA0}" type="datetime1">
               <a:rPr lang="de-AT" smtClean="0"/>
-              <a:t>13.06.2022</a:t>
+              <a:t>14.06.2022</a:t>
             </a:fld>
             <a:endParaRPr lang="en-US" dirty="0"/>
           </a:p>
@@ -6318,7 +6318,7 @@
           <a:p>
             <a:fld id="{5DCDB640-DE0C-413B-B149-C4168F97DB45}" type="datetime1">
               <a:rPr lang="de-AT" smtClean="0"/>
-              <a:t>13.06.2022</a:t>
+              <a:t>14.06.2022</a:t>
             </a:fld>
             <a:endParaRPr lang="en-US" dirty="0"/>
           </a:p>
@@ -6411,13 +6411,30 @@
           <a:bodyPr/>
           <a:lstStyle/>
           <a:p>
+            <a:endParaRPr lang="de-DE" dirty="0">
+              <a:latin typeface="Segoe UI" panose="020B0502040204020203" pitchFamily="34" charset="0"/>
+              <a:cs typeface="Segoe UI" panose="020B0502040204020203" pitchFamily="34" charset="0"/>
+            </a:endParaRPr>
+          </a:p>
+          <a:p>
             <a:r>
               <a:rPr lang="de-DE" dirty="0">
                 <a:latin typeface="Segoe UI" panose="020B0502040204020203" pitchFamily="34" charset="0"/>
                 <a:cs typeface="Segoe UI" panose="020B0502040204020203" pitchFamily="34" charset="0"/>
               </a:rPr>
-              <a:t>Keine brauchbare ETF-Kurs API, welche gratis ist</a:t>
-            </a:r>
+              <a:t>Keine brauchbare ETF-Kurs API gefunden, welche </a:t>
+            </a:r>
+            <a:r>
+              <a:rPr lang="de-DE">
+                <a:latin typeface="Segoe UI" panose="020B0502040204020203" pitchFamily="34" charset="0"/>
+                <a:cs typeface="Segoe UI" panose="020B0502040204020203" pitchFamily="34" charset="0"/>
+              </a:rPr>
+              <a:t>gratis ist</a:t>
+            </a:r>
+            <a:endParaRPr lang="de-DE" dirty="0">
+              <a:latin typeface="Segoe UI" panose="020B0502040204020203" pitchFamily="34" charset="0"/>
+              <a:cs typeface="Segoe UI" panose="020B0502040204020203" pitchFamily="34" charset="0"/>
+            </a:endParaRPr>
           </a:p>
           <a:p>
             <a:r>
@@ -6469,15 +6486,6 @@
                 <a:cs typeface="Segoe UI" panose="020B0502040204020203" pitchFamily="34" charset="0"/>
               </a:rPr>
               <a:t> Switch</a:t>
-            </a:r>
-          </a:p>
-          <a:p>
-            <a:r>
-              <a:rPr lang="de-DE" dirty="0">
-                <a:latin typeface="Segoe UI" panose="020B0502040204020203" pitchFamily="34" charset="0"/>
-                <a:cs typeface="Segoe UI" panose="020B0502040204020203" pitchFamily="34" charset="0"/>
-              </a:rPr>
-              <a:t>Dokumentation von WPF</a:t>
             </a:r>
           </a:p>
           <a:p>
@@ -6582,7 +6590,7 @@
           <a:p>
             <a:fld id="{5DCDB640-DE0C-413B-B149-C4168F97DB45}" type="datetime1">
               <a:rPr lang="de-AT" smtClean="0"/>
-              <a:t>13.06.2022</a:t>
+              <a:t>14.06.2022</a:t>
             </a:fld>
             <a:endParaRPr lang="en-US" dirty="0"/>
           </a:p>
@@ -6872,7 +6880,7 @@
           <a:p>
             <a:fld id="{5DCDB640-DE0C-413B-B149-C4168F97DB45}" type="datetime1">
               <a:rPr lang="de-AT" smtClean="0"/>
-              <a:t>13.06.2022</a:t>
+              <a:t>14.06.2022</a:t>
             </a:fld>
             <a:endParaRPr lang="en-US" dirty="0"/>
           </a:p>
@@ -7026,7 +7034,7 @@
           <a:p>
             <a:fld id="{5DCDB640-DE0C-413B-B149-C4168F97DB45}" type="datetime1">
               <a:rPr lang="de-AT" smtClean="0"/>
-              <a:t>13.06.2022</a:t>
+              <a:t>14.06.2022</a:t>
             </a:fld>
             <a:endParaRPr lang="en-US" dirty="0"/>
           </a:p>
@@ -7347,7 +7355,7 @@
           <a:p>
             <a:fld id="{5DCDB640-DE0C-413B-B149-C4168F97DB45}" type="datetime1">
               <a:rPr lang="de-AT" smtClean="0"/>
-              <a:t>13.06.2022</a:t>
+              <a:t>14.06.2022</a:t>
             </a:fld>
             <a:endParaRPr lang="en-US" dirty="0"/>
           </a:p>
@@ -7663,7 +7671,7 @@
           <a:p>
             <a:fld id="{5DCDB640-DE0C-413B-B149-C4168F97DB45}" type="datetime1">
               <a:rPr lang="de-AT" smtClean="0"/>
-              <a:t>13.06.2022</a:t>
+              <a:t>14.06.2022</a:t>
             </a:fld>
             <a:endParaRPr lang="en-US" dirty="0"/>
           </a:p>
@@ -7939,7 +7947,7 @@
           <a:p>
             <a:fld id="{5DCDB640-DE0C-413B-B149-C4168F97DB45}" type="datetime1">
               <a:rPr lang="de-AT" smtClean="0"/>
-              <a:t>13.06.2022</a:t>
+              <a:t>14.06.2022</a:t>
             </a:fld>
             <a:endParaRPr lang="en-US" dirty="0"/>
           </a:p>
@@ -8704,7 +8712,7 @@
           <a:p>
             <a:fld id="{5DCDB640-DE0C-413B-B149-C4168F97DB45}" type="datetime1">
               <a:rPr lang="de-AT" smtClean="0"/>
-              <a:t>13.06.2022</a:t>
+              <a:t>14.06.2022</a:t>
             </a:fld>
             <a:endParaRPr lang="en-US" dirty="0"/>
           </a:p>
@@ -8916,7 +8924,7 @@
           <a:p>
             <a:fld id="{5DCDB640-DE0C-413B-B149-C4168F97DB45}" type="datetime1">
               <a:rPr lang="de-AT" smtClean="0"/>
-              <a:t>13.06.2022</a:t>
+              <a:t>14.06.2022</a:t>
             </a:fld>
             <a:endParaRPr lang="en-US" dirty="0"/>
           </a:p>
@@ -9128,7 +9136,7 @@
           <a:p>
             <a:fld id="{5DCDB640-DE0C-413B-B149-C4168F97DB45}" type="datetime1">
               <a:rPr lang="de-AT" smtClean="0"/>
-              <a:t>13.06.2022</a:t>
+              <a:t>14.06.2022</a:t>
             </a:fld>
             <a:endParaRPr lang="en-US" dirty="0"/>
           </a:p>
@@ -9340,7 +9348,7 @@
           <a:p>
             <a:fld id="{5DCDB640-DE0C-413B-B149-C4168F97DB45}" type="datetime1">
               <a:rPr lang="de-AT" smtClean="0"/>
-              <a:t>13.06.2022</a:t>
+              <a:t>14.06.2022</a:t>
             </a:fld>
             <a:endParaRPr lang="en-US" dirty="0"/>
           </a:p>
